--- a/ARアプリの成果発表.pptx
+++ b/ARアプリの成果発表.pptx
@@ -5,11 +5,14 @@
     <p:sldMasterId id="2147483648" r:id="rId1"/>
   </p:sldMasterIdLst>
   <p:notesMasterIdLst>
-    <p:notesMasterId r:id="rId4"/>
+    <p:notesMasterId r:id="rId7"/>
   </p:notesMasterIdLst>
   <p:sldIdLst>
     <p:sldId id="256" r:id="rId2"/>
     <p:sldId id="257" r:id="rId3"/>
+    <p:sldId id="258" r:id="rId4"/>
+    <p:sldId id="259" r:id="rId5"/>
+    <p:sldId id="261" r:id="rId6"/>
   </p:sldIdLst>
   <p:sldSz cx="12192000" cy="6858000"/>
   <p:notesSz cx="6858000" cy="9144000"/>
@@ -123,6 +126,9 @@
         </p15:guide>
       </p15:sldGuideLst>
     </p:ext>
+    <p:ext uri="{2D200454-40CA-4A62-9FC3-DE9A4176ACB9}">
+      <p15:notesGuideLst xmlns:p15="http://schemas.microsoft.com/office/powerpoint/2012/main"/>
+    </p:ext>
   </p:extLst>
 </p:presentation>
 </file>
@@ -213,7 +219,7 @@
           <a:p>
             <a:fld id="{031E637E-5C78-4EE6-9C73-5F965F421A28}" type="datetimeFigureOut">
               <a:rPr kumimoji="1" lang="ja-JP" altLang="en-US" smtClean="0"/>
-              <a:t>2017/10/6</a:t>
+              <a:t>2017/10/9</a:t>
             </a:fld>
             <a:endParaRPr kumimoji="1" lang="ja-JP" altLang="en-US"/>
           </a:p>
@@ -512,6 +518,277 @@
 </p:notesMaster>
 </file>
 
+<file path=ppt/notesSlides/notesSlide1.xml><?xml version="1.0" encoding="utf-8"?>
+<p:notes xmlns:a="http://schemas.openxmlformats.org/drawingml/2006/main" xmlns:r="http://schemas.openxmlformats.org/officeDocument/2006/relationships" xmlns:p="http://schemas.openxmlformats.org/presentationml/2006/main">
+  <p:cSld>
+    <p:spTree>
+      <p:nvGrpSpPr>
+        <p:cNvPr id="1" name=""/>
+        <p:cNvGrpSpPr/>
+        <p:nvPr/>
+      </p:nvGrpSpPr>
+      <p:grpSpPr>
+        <a:xfrm>
+          <a:off x="0" y="0"/>
+          <a:ext cx="0" cy="0"/>
+          <a:chOff x="0" y="0"/>
+          <a:chExt cx="0" cy="0"/>
+        </a:xfrm>
+      </p:grpSpPr>
+      <p:sp>
+        <p:nvSpPr>
+          <p:cNvPr id="2" name="スライド イメージ プレースホルダー 1"/>
+          <p:cNvSpPr>
+            <a:spLocks noGrp="1" noRot="1" noChangeAspect="1"/>
+          </p:cNvSpPr>
+          <p:nvPr>
+            <p:ph type="sldImg"/>
+          </p:nvPr>
+        </p:nvSpPr>
+        <p:spPr/>
+      </p:sp>
+      <p:sp>
+        <p:nvSpPr>
+          <p:cNvPr id="3" name="ノート プレースホルダー 2"/>
+          <p:cNvSpPr>
+            <a:spLocks noGrp="1"/>
+          </p:cNvSpPr>
+          <p:nvPr>
+            <p:ph type="body" idx="1"/>
+          </p:nvPr>
+        </p:nvSpPr>
+        <p:spPr/>
+        <p:txBody>
+          <a:bodyPr/>
+          <a:lstStyle/>
+          <a:p>
+            <a:r>
+              <a:rPr kumimoji="1" lang="en-US" altLang="ja-JP" dirty="0" err="1" smtClean="0"/>
+              <a:t>Vuforia</a:t>
+            </a:r>
+            <a:r>
+              <a:rPr kumimoji="1" lang="ja-JP" altLang="en-US" dirty="0" smtClean="0"/>
+              <a:t>とは</a:t>
+            </a:r>
+            <a:r>
+              <a:rPr kumimoji="1" lang="en-US" altLang="ja-JP" dirty="0" smtClean="0"/>
+              <a:t>AR</a:t>
+            </a:r>
+            <a:r>
+              <a:rPr kumimoji="1" lang="ja-JP" altLang="en-US" dirty="0" smtClean="0"/>
+              <a:t>アプリ制作用のライブラリ</a:t>
+            </a:r>
+            <a:endParaRPr kumimoji="1" lang="en-US" altLang="ja-JP" dirty="0" smtClean="0"/>
+          </a:p>
+          <a:p>
+            <a:endParaRPr kumimoji="1" lang="en-US" altLang="ja-JP" dirty="0" smtClean="0"/>
+          </a:p>
+        </p:txBody>
+      </p:sp>
+      <p:sp>
+        <p:nvSpPr>
+          <p:cNvPr id="4" name="スライド番号プレースホルダー 3"/>
+          <p:cNvSpPr>
+            <a:spLocks noGrp="1"/>
+          </p:cNvSpPr>
+          <p:nvPr>
+            <p:ph type="sldNum" sz="quarter" idx="10"/>
+          </p:nvPr>
+        </p:nvSpPr>
+        <p:spPr/>
+        <p:txBody>
+          <a:bodyPr/>
+          <a:lstStyle/>
+          <a:p>
+            <a:fld id="{4BD0ECF7-D8EF-4EAA-9F24-7F74654DDEC5}" type="slidenum">
+              <a:rPr kumimoji="1" lang="ja-JP" altLang="en-US" smtClean="0"/>
+              <a:t>2</a:t>
+            </a:fld>
+            <a:endParaRPr kumimoji="1" lang="ja-JP" altLang="en-US"/>
+          </a:p>
+        </p:txBody>
+      </p:sp>
+    </p:spTree>
+    <p:extLst>
+      <p:ext uri="{BB962C8B-B14F-4D97-AF65-F5344CB8AC3E}">
+        <p14:creationId xmlns:p14="http://schemas.microsoft.com/office/powerpoint/2010/main" val="616627520"/>
+      </p:ext>
+    </p:extLst>
+  </p:cSld>
+  <p:clrMapOvr>
+    <a:masterClrMapping/>
+  </p:clrMapOvr>
+</p:notes>
+</file>
+
+<file path=ppt/notesSlides/notesSlide2.xml><?xml version="1.0" encoding="utf-8"?>
+<p:notes xmlns:a="http://schemas.openxmlformats.org/drawingml/2006/main" xmlns:r="http://schemas.openxmlformats.org/officeDocument/2006/relationships" xmlns:p="http://schemas.openxmlformats.org/presentationml/2006/main">
+  <p:cSld>
+    <p:spTree>
+      <p:nvGrpSpPr>
+        <p:cNvPr id="1" name=""/>
+        <p:cNvGrpSpPr/>
+        <p:nvPr/>
+      </p:nvGrpSpPr>
+      <p:grpSpPr>
+        <a:xfrm>
+          <a:off x="0" y="0"/>
+          <a:ext cx="0" cy="0"/>
+          <a:chOff x="0" y="0"/>
+          <a:chExt cx="0" cy="0"/>
+        </a:xfrm>
+      </p:grpSpPr>
+      <p:sp>
+        <p:nvSpPr>
+          <p:cNvPr id="2" name="スライド イメージ プレースホルダー 1"/>
+          <p:cNvSpPr>
+            <a:spLocks noGrp="1" noRot="1" noChangeAspect="1"/>
+          </p:cNvSpPr>
+          <p:nvPr>
+            <p:ph type="sldImg"/>
+          </p:nvPr>
+        </p:nvSpPr>
+        <p:spPr/>
+      </p:sp>
+      <p:sp>
+        <p:nvSpPr>
+          <p:cNvPr id="3" name="ノート プレースホルダー 2"/>
+          <p:cNvSpPr>
+            <a:spLocks noGrp="1"/>
+          </p:cNvSpPr>
+          <p:nvPr>
+            <p:ph type="body" idx="1"/>
+          </p:nvPr>
+        </p:nvSpPr>
+        <p:spPr/>
+        <p:txBody>
+          <a:bodyPr/>
+          <a:lstStyle/>
+          <a:p>
+            <a:endParaRPr kumimoji="1" lang="en-US" altLang="ja-JP" dirty="0" smtClean="0"/>
+          </a:p>
+        </p:txBody>
+      </p:sp>
+      <p:sp>
+        <p:nvSpPr>
+          <p:cNvPr id="4" name="スライド番号プレースホルダー 3"/>
+          <p:cNvSpPr>
+            <a:spLocks noGrp="1"/>
+          </p:cNvSpPr>
+          <p:nvPr>
+            <p:ph type="sldNum" sz="quarter" idx="10"/>
+          </p:nvPr>
+        </p:nvSpPr>
+        <p:spPr/>
+        <p:txBody>
+          <a:bodyPr/>
+          <a:lstStyle/>
+          <a:p>
+            <a:fld id="{4BD0ECF7-D8EF-4EAA-9F24-7F74654DDEC5}" type="slidenum">
+              <a:rPr kumimoji="1" lang="ja-JP" altLang="en-US" smtClean="0"/>
+              <a:t>3</a:t>
+            </a:fld>
+            <a:endParaRPr kumimoji="1" lang="ja-JP" altLang="en-US"/>
+          </a:p>
+        </p:txBody>
+      </p:sp>
+    </p:spTree>
+    <p:extLst>
+      <p:ext uri="{BB962C8B-B14F-4D97-AF65-F5344CB8AC3E}">
+        <p14:creationId xmlns:p14="http://schemas.microsoft.com/office/powerpoint/2010/main" val="1585917295"/>
+      </p:ext>
+    </p:extLst>
+  </p:cSld>
+  <p:clrMapOvr>
+    <a:masterClrMapping/>
+  </p:clrMapOvr>
+</p:notes>
+</file>
+
+<file path=ppt/notesSlides/notesSlide3.xml><?xml version="1.0" encoding="utf-8"?>
+<p:notes xmlns:a="http://schemas.openxmlformats.org/drawingml/2006/main" xmlns:r="http://schemas.openxmlformats.org/officeDocument/2006/relationships" xmlns:p="http://schemas.openxmlformats.org/presentationml/2006/main">
+  <p:cSld>
+    <p:spTree>
+      <p:nvGrpSpPr>
+        <p:cNvPr id="1" name=""/>
+        <p:cNvGrpSpPr/>
+        <p:nvPr/>
+      </p:nvGrpSpPr>
+      <p:grpSpPr>
+        <a:xfrm>
+          <a:off x="0" y="0"/>
+          <a:ext cx="0" cy="0"/>
+          <a:chOff x="0" y="0"/>
+          <a:chExt cx="0" cy="0"/>
+        </a:xfrm>
+      </p:grpSpPr>
+      <p:sp>
+        <p:nvSpPr>
+          <p:cNvPr id="2" name="スライド イメージ プレースホルダー 1"/>
+          <p:cNvSpPr>
+            <a:spLocks noGrp="1" noRot="1" noChangeAspect="1"/>
+          </p:cNvSpPr>
+          <p:nvPr>
+            <p:ph type="sldImg"/>
+          </p:nvPr>
+        </p:nvSpPr>
+        <p:spPr/>
+      </p:sp>
+      <p:sp>
+        <p:nvSpPr>
+          <p:cNvPr id="3" name="ノート プレースホルダー 2"/>
+          <p:cNvSpPr>
+            <a:spLocks noGrp="1"/>
+          </p:cNvSpPr>
+          <p:nvPr>
+            <p:ph type="body" idx="1"/>
+          </p:nvPr>
+        </p:nvSpPr>
+        <p:spPr/>
+        <p:txBody>
+          <a:bodyPr/>
+          <a:lstStyle/>
+          <a:p>
+            <a:endParaRPr kumimoji="1" lang="en-US" altLang="ja-JP" dirty="0" smtClean="0"/>
+          </a:p>
+        </p:txBody>
+      </p:sp>
+      <p:sp>
+        <p:nvSpPr>
+          <p:cNvPr id="4" name="スライド番号プレースホルダー 3"/>
+          <p:cNvSpPr>
+            <a:spLocks noGrp="1"/>
+          </p:cNvSpPr>
+          <p:nvPr>
+            <p:ph type="sldNum" sz="quarter" idx="10"/>
+          </p:nvPr>
+        </p:nvSpPr>
+        <p:spPr/>
+        <p:txBody>
+          <a:bodyPr/>
+          <a:lstStyle/>
+          <a:p>
+            <a:fld id="{4BD0ECF7-D8EF-4EAA-9F24-7F74654DDEC5}" type="slidenum">
+              <a:rPr kumimoji="1" lang="ja-JP" altLang="en-US" smtClean="0"/>
+              <a:t>4</a:t>
+            </a:fld>
+            <a:endParaRPr kumimoji="1" lang="ja-JP" altLang="en-US"/>
+          </a:p>
+        </p:txBody>
+      </p:sp>
+    </p:spTree>
+    <p:extLst>
+      <p:ext uri="{BB962C8B-B14F-4D97-AF65-F5344CB8AC3E}">
+        <p14:creationId xmlns:p14="http://schemas.microsoft.com/office/powerpoint/2010/main" val="295355514"/>
+      </p:ext>
+    </p:extLst>
+  </p:cSld>
+  <p:clrMapOvr>
+    <a:masterClrMapping/>
+  </p:clrMapOvr>
+</p:notes>
+</file>
+
 <file path=ppt/slideLayouts/slideLayout1.xml><?xml version="1.0" encoding="utf-8"?>
 <p:sldLayout xmlns:a="http://schemas.openxmlformats.org/drawingml/2006/main" xmlns:r="http://schemas.openxmlformats.org/officeDocument/2006/relationships" xmlns:p="http://schemas.openxmlformats.org/presentationml/2006/main" showMasterSp="0" type="title" preserve="1">
   <p:cSld name="タイトル スライド">
@@ -764,7 +1041,7 @@
           <p:cNvPr id="10" name="日付プレースホルダー 9">
             <a:extLst>
               <a:ext uri="{FF2B5EF4-FFF2-40B4-BE49-F238E27FC236}">
-                <a16:creationId xmlns:a16="http://schemas.microsoft.com/office/drawing/2014/main" id="{CAD91F8B-05C5-4EC8-AC0F-7A00136725F4}"/>
+                <a16:creationId xmlns:a16="http://schemas.microsoft.com/office/drawing/2014/main" xmlns="" id="{CAD91F8B-05C5-4EC8-AC0F-7A00136725F4}"/>
               </a:ext>
             </a:extLst>
           </p:cNvPr>
@@ -782,7 +1059,7 @@
           <a:p>
             <a:fld id="{3DEAE644-C239-4758-B1A8-642E9C80B158}" type="datetime1">
               <a:rPr lang="ja-JP" altLang="en-US" smtClean="0"/>
-              <a:t>2017/10/6</a:t>
+              <a:t>2017/10/9</a:t>
             </a:fld>
             <a:endParaRPr lang="en-US" dirty="0"/>
           </a:p>
@@ -793,7 +1070,7 @@
           <p:cNvPr id="11" name="フッター プレースホルダー 10">
             <a:extLst>
               <a:ext uri="{FF2B5EF4-FFF2-40B4-BE49-F238E27FC236}">
-                <a16:creationId xmlns:a16="http://schemas.microsoft.com/office/drawing/2014/main" id="{62657083-FDEE-4CC8-A793-38315A63BB0B}"/>
+                <a16:creationId xmlns:a16="http://schemas.microsoft.com/office/drawing/2014/main" xmlns="" id="{62657083-FDEE-4CC8-A793-38315A63BB0B}"/>
               </a:ext>
             </a:extLst>
           </p:cNvPr>
@@ -826,7 +1103,7 @@
           <p:cNvPr id="12" name="スライド番号プレースホルダー 11">
             <a:extLst>
               <a:ext uri="{FF2B5EF4-FFF2-40B4-BE49-F238E27FC236}">
-                <a16:creationId xmlns:a16="http://schemas.microsoft.com/office/drawing/2014/main" id="{4CDBBFD2-71DC-47BA-BA4B-1002A3D0A8D3}"/>
+                <a16:creationId xmlns:a16="http://schemas.microsoft.com/office/drawing/2014/main" xmlns="" id="{4CDBBFD2-71DC-47BA-BA4B-1002A3D0A8D3}"/>
               </a:ext>
             </a:extLst>
           </p:cNvPr>
@@ -1000,7 +1277,7 @@
           <a:p>
             <a:fld id="{7FE9F203-A18A-4F0F-B9B6-D521321F5ED0}" type="datetime1">
               <a:rPr lang="ja-JP" altLang="en-US" smtClean="0"/>
-              <a:t>2017/10/6</a:t>
+              <a:t>2017/10/9</a:t>
             </a:fld>
             <a:endParaRPr lang="en-US" dirty="0"/>
           </a:p>
@@ -1291,7 +1568,7 @@
           <a:p>
             <a:fld id="{4D390D24-5855-4987-87BF-C4812BE4784D}" type="datetime1">
               <a:rPr lang="ja-JP" altLang="en-US" smtClean="0"/>
-              <a:t>2017/10/6</a:t>
+              <a:t>2017/10/9</a:t>
             </a:fld>
             <a:endParaRPr lang="en-US" dirty="0"/>
           </a:p>
@@ -1500,7 +1777,7 @@
           <a:p>
             <a:fld id="{8CFC5AFC-A900-4A8B-86CC-3019B87C0B38}" type="datetime1">
               <a:rPr lang="ja-JP" altLang="en-US" smtClean="0"/>
-              <a:t>2017/10/6</a:t>
+              <a:t>2017/10/9</a:t>
             </a:fld>
             <a:endParaRPr lang="en-US" dirty="0"/>
           </a:p>
@@ -1846,7 +2123,7 @@
           <a:p>
             <a:fld id="{414224FA-3A21-4F51-8ADB-C3277CB68253}" type="datetime1">
               <a:rPr lang="ja-JP" altLang="en-US" smtClean="0"/>
-              <a:t>2017/10/6</a:t>
+              <a:t>2017/10/9</a:t>
             </a:fld>
             <a:endParaRPr lang="en-US" dirty="0"/>
           </a:p>
@@ -2188,7 +2465,7 @@
           <a:p>
             <a:fld id="{04E71468-D6FB-4AA9-A61D-C65102518D0E}" type="datetime1">
               <a:rPr lang="ja-JP" altLang="en-US" smtClean="0"/>
-              <a:t>2017/10/6</a:t>
+              <a:t>2017/10/9</a:t>
             </a:fld>
             <a:endParaRPr lang="en-US" dirty="0"/>
           </a:p>
@@ -2634,7 +2911,7 @@
           <a:p>
             <a:fld id="{33DD00D9-0865-4221-A471-ECFAF85EA365}" type="datetime1">
               <a:rPr lang="ja-JP" altLang="en-US" smtClean="0"/>
-              <a:t>2017/10/6</a:t>
+              <a:t>2017/10/9</a:t>
             </a:fld>
             <a:endParaRPr lang="en-US" dirty="0"/>
           </a:p>
@@ -2755,7 +3032,7 @@
           <a:p>
             <a:fld id="{447059A2-4B61-416A-A317-FEF925176A40}" type="datetime1">
               <a:rPr lang="ja-JP" altLang="en-US" smtClean="0"/>
-              <a:t>2017/10/6</a:t>
+              <a:t>2017/10/9</a:t>
             </a:fld>
             <a:endParaRPr lang="en-US" dirty="0"/>
           </a:p>
@@ -2929,7 +3206,7 @@
           <a:p>
             <a:fld id="{58A023AC-126A-4554-920F-12CE18BFCEE5}" type="datetime1">
               <a:rPr lang="ja-JP" altLang="en-US" smtClean="0"/>
-              <a:t>2017/10/6</a:t>
+              <a:t>2017/10/9</a:t>
             </a:fld>
             <a:endParaRPr lang="en-US" dirty="0"/>
           </a:p>
@@ -3319,7 +3596,7 @@
           <a:p>
             <a:fld id="{B2B5DD5E-741B-4C6B-866E-DF8600903578}" type="datetime1">
               <a:rPr lang="ja-JP" altLang="en-US" smtClean="0"/>
-              <a:t>2017/10/6</a:t>
+              <a:t>2017/10/9</a:t>
             </a:fld>
             <a:endParaRPr lang="en-US" dirty="0"/>
           </a:p>
@@ -3700,7 +3977,7 @@
           <a:p>
             <a:fld id="{3FD84C8E-8287-49D9-B780-48831C4C433A}" type="datetime1">
               <a:rPr lang="ja-JP" altLang="en-US" smtClean="0"/>
-              <a:t>2017/10/6</a:t>
+              <a:t>2017/10/9</a:t>
             </a:fld>
             <a:endParaRPr lang="en-US" dirty="0"/>
           </a:p>
@@ -4022,7 +4299,7 @@
           <a:p>
             <a:fld id="{4BE9794E-8638-4ADC-8B29-0D8D51E14923}" type="datetime1">
               <a:rPr lang="ja-JP" altLang="en-US" smtClean="0"/>
-              <a:t>2017/10/6</a:t>
+              <a:t>2017/10/9</a:t>
             </a:fld>
             <a:endParaRPr lang="en-US" dirty="0"/>
           </a:p>
@@ -4513,7 +4790,7 @@
           <p:cNvPr id="2" name="タイトル 1">
             <a:extLst>
               <a:ext uri="{FF2B5EF4-FFF2-40B4-BE49-F238E27FC236}">
-                <a16:creationId xmlns:a16="http://schemas.microsoft.com/office/drawing/2014/main" id="{A4EC17EA-4474-4D1F-B4AB-BB0BE039F045}"/>
+                <a16:creationId xmlns:a16="http://schemas.microsoft.com/office/drawing/2014/main" xmlns="" id="{A4EC17EA-4474-4D1F-B4AB-BB0BE039F045}"/>
               </a:ext>
             </a:extLst>
           </p:cNvPr>
@@ -4530,7 +4807,10 @@
           <a:lstStyle/>
           <a:p>
             <a:r>
-              <a:rPr lang="en-US" altLang="ja-JP" dirty="0"/>
+              <a:rPr lang="en-US" altLang="ja-JP" dirty="0">
+                <a:latin typeface="+mn-ea"/>
+                <a:ea typeface="+mn-ea"/>
+              </a:rPr>
               <a:t>AR</a:t>
             </a:r>
             <a:r>
@@ -4546,7 +4826,7 @@
           <p:cNvPr id="3" name="サブタイトル 2">
             <a:extLst>
               <a:ext uri="{FF2B5EF4-FFF2-40B4-BE49-F238E27FC236}">
-                <a16:creationId xmlns:a16="http://schemas.microsoft.com/office/drawing/2014/main" id="{22B1482B-D922-43EF-9682-2A45A78991BD}"/>
+                <a16:creationId xmlns:a16="http://schemas.microsoft.com/office/drawing/2014/main" xmlns="" id="{22B1482B-D922-43EF-9682-2A45A78991BD}"/>
               </a:ext>
             </a:extLst>
           </p:cNvPr>
@@ -4587,7 +4867,7 @@
           <p:cNvPr id="5" name="日付プレースホルダー 4">
             <a:extLst>
               <a:ext uri="{FF2B5EF4-FFF2-40B4-BE49-F238E27FC236}">
-                <a16:creationId xmlns:a16="http://schemas.microsoft.com/office/drawing/2014/main" id="{BD3E0DAB-4565-4560-B23C-E694E069CD5A}"/>
+                <a16:creationId xmlns:a16="http://schemas.microsoft.com/office/drawing/2014/main" xmlns="" id="{BD3E0DAB-4565-4560-B23C-E694E069CD5A}"/>
               </a:ext>
             </a:extLst>
           </p:cNvPr>
@@ -4605,7 +4885,7 @@
           <a:p>
             <a:fld id="{CDEE893D-7920-49A2-B8D0-3993B19A1222}" type="datetime1">
               <a:rPr lang="ja-JP" altLang="en-US" smtClean="0"/>
-              <a:t>2017/10/6</a:t>
+              <a:t>2017/10/9</a:t>
             </a:fld>
             <a:endParaRPr lang="en-US" dirty="0"/>
           </a:p>
@@ -4616,7 +4896,7 @@
           <p:cNvPr id="6" name="スライド番号プレースホルダー 5">
             <a:extLst>
               <a:ext uri="{FF2B5EF4-FFF2-40B4-BE49-F238E27FC236}">
-                <a16:creationId xmlns:a16="http://schemas.microsoft.com/office/drawing/2014/main" id="{92A1CF2E-1E46-43FF-87E4-04547D4E7719}"/>
+                <a16:creationId xmlns:a16="http://schemas.microsoft.com/office/drawing/2014/main" xmlns="" id="{92A1CF2E-1E46-43FF-87E4-04547D4E7719}"/>
               </a:ext>
             </a:extLst>
           </p:cNvPr>
@@ -4651,6 +4931,13 @@
   <p:clrMapOvr>
     <a:masterClrMapping/>
   </p:clrMapOvr>
+  <p:timing>
+    <p:tnLst>
+      <p:par>
+        <p:cTn id="1" dur="indefinite" restart="never" nodeType="tmRoot"/>
+      </p:par>
+    </p:tnLst>
+  </p:timing>
 </p:sld>
 </file>
 
@@ -4676,7 +4963,7 @@
           <p:cNvPr id="2" name="タイトル 1">
             <a:extLst>
               <a:ext uri="{FF2B5EF4-FFF2-40B4-BE49-F238E27FC236}">
-                <a16:creationId xmlns:a16="http://schemas.microsoft.com/office/drawing/2014/main" id="{F85193FC-EC85-4B8E-B794-76BAF993932F}"/>
+                <a16:creationId xmlns:a16="http://schemas.microsoft.com/office/drawing/2014/main" xmlns="" id="{F85193FC-EC85-4B8E-B794-76BAF993932F}"/>
               </a:ext>
             </a:extLst>
           </p:cNvPr>
@@ -4693,9 +4980,14 @@
           <a:lstStyle/>
           <a:p>
             <a:r>
-              <a:rPr kumimoji="1" lang="ja-JP" altLang="en-US" dirty="0"/>
-              <a:t>目次</a:t>
-            </a:r>
+              <a:rPr lang="ja-JP" altLang="en-US" dirty="0"/>
+              <a:t>前回</a:t>
+            </a:r>
+            <a:r>
+              <a:rPr lang="ja-JP" altLang="en-US" dirty="0" smtClean="0"/>
+              <a:t>のあらすじ</a:t>
+            </a:r>
+            <a:endParaRPr kumimoji="1" lang="ja-JP" altLang="en-US" dirty="0"/>
           </a:p>
         </p:txBody>
       </p:sp>
@@ -4704,7 +4996,7 @@
           <p:cNvPr id="3" name="コンテンツ プレースホルダー 2">
             <a:extLst>
               <a:ext uri="{FF2B5EF4-FFF2-40B4-BE49-F238E27FC236}">
-                <a16:creationId xmlns:a16="http://schemas.microsoft.com/office/drawing/2014/main" id="{D9F2300D-A990-4AC8-8AD5-C0EC49A3C394}"/>
+                <a16:creationId xmlns:a16="http://schemas.microsoft.com/office/drawing/2014/main" xmlns="" id="{D9F2300D-A990-4AC8-8AD5-C0EC49A3C394}"/>
               </a:ext>
             </a:extLst>
           </p:cNvPr>
@@ -4719,6 +5011,12 @@
         <p:txBody>
           <a:bodyPr/>
           <a:lstStyle/>
+          <a:p>
+            <a:pPr marL="0" indent="0">
+              <a:buNone/>
+            </a:pPr>
+            <a:endParaRPr lang="en-US" altLang="ja-JP" dirty="0" smtClean="0"/>
+          </a:p>
           <a:p>
             <a:pPr marL="0" indent="0">
               <a:buNone/>
@@ -4731,35 +5029,71 @@
               <a:buChar char="l"/>
             </a:pPr>
             <a:r>
-              <a:rPr kumimoji="1" lang="ja-JP" altLang="en-US" dirty="0"/>
-              <a:t>環境</a:t>
-            </a:r>
-            <a:endParaRPr kumimoji="1" lang="en-US" altLang="ja-JP" dirty="0"/>
+              <a:rPr lang="en-US" altLang="ja-JP" sz="2800" dirty="0" err="1" smtClean="0">
+                <a:latin typeface="+mn-ea"/>
+              </a:rPr>
+              <a:t>Vuforia</a:t>
+            </a:r>
+            <a:r>
+              <a:rPr lang="ja-JP" altLang="en-US" sz="2800" dirty="0">
+                <a:latin typeface="+mn-ea"/>
+              </a:rPr>
+              <a:t> </a:t>
+            </a:r>
+            <a:r>
+              <a:rPr lang="ja-JP" altLang="en-US" sz="2800" dirty="0" smtClean="0"/>
+              <a:t>と </a:t>
+            </a:r>
+            <a:r>
+              <a:rPr lang="en-US" altLang="ja-JP" sz="2800" dirty="0" smtClean="0">
+                <a:latin typeface="+mn-ea"/>
+              </a:rPr>
+              <a:t>Android Studio </a:t>
+            </a:r>
+            <a:r>
+              <a:rPr lang="ja-JP" altLang="en-US" sz="2800" dirty="0" smtClean="0">
+                <a:latin typeface="+mn-ea"/>
+              </a:rPr>
+              <a:t>を利用したアンドロイド用</a:t>
+            </a:r>
+            <a:r>
+              <a:rPr lang="en-US" altLang="ja-JP" sz="2800" dirty="0" smtClean="0">
+                <a:latin typeface="+mn-ea"/>
+              </a:rPr>
+              <a:t>AR</a:t>
+            </a:r>
+            <a:r>
+              <a:rPr lang="ja-JP" altLang="en-US" sz="2800" dirty="0" smtClean="0">
+                <a:latin typeface="+mn-ea"/>
+              </a:rPr>
+              <a:t>アプリ</a:t>
+            </a:r>
+            <a:endParaRPr lang="en-US" altLang="ja-JP" dirty="0"/>
           </a:p>
           <a:p>
             <a:pPr>
               <a:buFont typeface="Wingdings" panose="05000000000000000000" pitchFamily="2" charset="2"/>
               <a:buChar char="l"/>
             </a:pPr>
-            <a:endParaRPr lang="en-US" altLang="ja-JP" dirty="0"/>
+            <a:endParaRPr lang="en-US" altLang="ja-JP" dirty="0" smtClean="0"/>
           </a:p>
           <a:p>
             <a:pPr>
               <a:buFont typeface="Wingdings" panose="05000000000000000000" pitchFamily="2" charset="2"/>
               <a:buChar char="l"/>
             </a:pPr>
-            <a:r>
-              <a:rPr kumimoji="1" lang="ja-JP" altLang="en-US" dirty="0"/>
-              <a:t>アプリ紹介</a:t>
-            </a:r>
-            <a:endParaRPr lang="en-US" altLang="ja-JP" dirty="0"/>
-          </a:p>
-          <a:p>
-            <a:pPr lvl="2">
+            <a:endParaRPr lang="en-US" altLang="ja-JP" dirty="0" smtClean="0"/>
+          </a:p>
+          <a:p>
+            <a:pPr>
               <a:buFont typeface="Wingdings" panose="05000000000000000000" pitchFamily="2" charset="2"/>
               <a:buChar char="l"/>
             </a:pPr>
-            <a:endParaRPr kumimoji="1" lang="en-US" altLang="ja-JP" dirty="0"/>
+            <a:r>
+              <a:rPr lang="ja-JP" altLang="en-US" sz="2800" dirty="0" smtClean="0"/>
+              <a:t>商品を認識したらその商品の情報を表示する</a:t>
+            </a:r>
+            <a:endParaRPr lang="en-US" altLang="ja-JP" sz="2800" dirty="0"/>
           </a:p>
         </p:txBody>
       </p:sp>
@@ -4768,7 +5102,7 @@
           <p:cNvPr id="4" name="日付プレースホルダー 3">
             <a:extLst>
               <a:ext uri="{FF2B5EF4-FFF2-40B4-BE49-F238E27FC236}">
-                <a16:creationId xmlns:a16="http://schemas.microsoft.com/office/drawing/2014/main" id="{C31D39EC-A5C2-47B1-97D5-1EEB45BE526E}"/>
+                <a16:creationId xmlns:a16="http://schemas.microsoft.com/office/drawing/2014/main" xmlns="" id="{C31D39EC-A5C2-47B1-97D5-1EEB45BE526E}"/>
               </a:ext>
             </a:extLst>
           </p:cNvPr>
@@ -4786,7 +5120,7 @@
           <a:p>
             <a:fld id="{C1AC33ED-1FF4-4CA6-950C-B5D5469062C6}" type="datetime1">
               <a:rPr lang="ja-JP" altLang="en-US" smtClean="0"/>
-              <a:t>2017/10/6</a:t>
+              <a:t>2017/10/10</a:t>
             </a:fld>
             <a:endParaRPr lang="en-US" dirty="0"/>
           </a:p>
@@ -4797,7 +5131,7 @@
           <p:cNvPr id="5" name="スライド番号プレースホルダー 4">
             <a:extLst>
               <a:ext uri="{FF2B5EF4-FFF2-40B4-BE49-F238E27FC236}">
-                <a16:creationId xmlns:a16="http://schemas.microsoft.com/office/drawing/2014/main" id="{E8B2CD81-22FF-4DAE-A1F6-4433E13F1E31}"/>
+                <a16:creationId xmlns:a16="http://schemas.microsoft.com/office/drawing/2014/main" xmlns="" id="{E8B2CD81-22FF-4DAE-A1F6-4433E13F1E31}"/>
               </a:ext>
             </a:extLst>
           </p:cNvPr>
@@ -4831,6 +5165,1005 @@
   <p:clrMapOvr>
     <a:masterClrMapping/>
   </p:clrMapOvr>
+  <p:timing>
+    <p:tnLst>
+      <p:par>
+        <p:cTn id="1" dur="indefinite" restart="never" nodeType="tmRoot">
+          <p:childTnLst>
+            <p:seq concurrent="1" nextAc="seek">
+              <p:cTn id="2" dur="indefinite" nodeType="mainSeq">
+                <p:childTnLst>
+                  <p:par>
+                    <p:cTn id="3" fill="hold">
+                      <p:stCondLst>
+                        <p:cond delay="indefinite"/>
+                      </p:stCondLst>
+                      <p:childTnLst>
+                        <p:par>
+                          <p:cTn id="4" fill="hold">
+                            <p:stCondLst>
+                              <p:cond delay="0"/>
+                            </p:stCondLst>
+                            <p:childTnLst>
+                              <p:par>
+                                <p:cTn id="5" presetID="2" presetClass="entr" presetSubtype="4" fill="hold" grpId="0" nodeType="clickEffect">
+                                  <p:stCondLst>
+                                    <p:cond delay="0"/>
+                                  </p:stCondLst>
+                                  <p:childTnLst>
+                                    <p:set>
+                                      <p:cBhvr>
+                                        <p:cTn id="6" dur="1" fill="hold">
+                                          <p:stCondLst>
+                                            <p:cond delay="0"/>
+                                          </p:stCondLst>
+                                        </p:cTn>
+                                        <p:tgtEl>
+                                          <p:spTgt spid="3">
+                                            <p:txEl>
+                                              <p:pRg st="2" end="2"/>
+                                            </p:txEl>
+                                          </p:spTgt>
+                                        </p:tgtEl>
+                                        <p:attrNameLst>
+                                          <p:attrName>style.visibility</p:attrName>
+                                        </p:attrNameLst>
+                                      </p:cBhvr>
+                                      <p:to>
+                                        <p:strVal val="visible"/>
+                                      </p:to>
+                                    </p:set>
+                                    <p:anim calcmode="lin" valueType="num">
+                                      <p:cBhvr additive="base">
+                                        <p:cTn id="7" dur="500" fill="hold"/>
+                                        <p:tgtEl>
+                                          <p:spTgt spid="3">
+                                            <p:txEl>
+                                              <p:pRg st="2" end="2"/>
+                                            </p:txEl>
+                                          </p:spTgt>
+                                        </p:tgtEl>
+                                        <p:attrNameLst>
+                                          <p:attrName>ppt_x</p:attrName>
+                                        </p:attrNameLst>
+                                      </p:cBhvr>
+                                      <p:tavLst>
+                                        <p:tav tm="0">
+                                          <p:val>
+                                            <p:strVal val="#ppt_x"/>
+                                          </p:val>
+                                        </p:tav>
+                                        <p:tav tm="100000">
+                                          <p:val>
+                                            <p:strVal val="#ppt_x"/>
+                                          </p:val>
+                                        </p:tav>
+                                      </p:tavLst>
+                                    </p:anim>
+                                    <p:anim calcmode="lin" valueType="num">
+                                      <p:cBhvr additive="base">
+                                        <p:cTn id="8" dur="500" fill="hold"/>
+                                        <p:tgtEl>
+                                          <p:spTgt spid="3">
+                                            <p:txEl>
+                                              <p:pRg st="2" end="2"/>
+                                            </p:txEl>
+                                          </p:spTgt>
+                                        </p:tgtEl>
+                                        <p:attrNameLst>
+                                          <p:attrName>ppt_y</p:attrName>
+                                        </p:attrNameLst>
+                                      </p:cBhvr>
+                                      <p:tavLst>
+                                        <p:tav tm="0">
+                                          <p:val>
+                                            <p:strVal val="1+#ppt_h/2"/>
+                                          </p:val>
+                                        </p:tav>
+                                        <p:tav tm="100000">
+                                          <p:val>
+                                            <p:strVal val="#ppt_y"/>
+                                          </p:val>
+                                        </p:tav>
+                                      </p:tavLst>
+                                    </p:anim>
+                                  </p:childTnLst>
+                                </p:cTn>
+                              </p:par>
+                            </p:childTnLst>
+                          </p:cTn>
+                        </p:par>
+                      </p:childTnLst>
+                    </p:cTn>
+                  </p:par>
+                  <p:par>
+                    <p:cTn id="9" fill="hold">
+                      <p:stCondLst>
+                        <p:cond delay="indefinite"/>
+                      </p:stCondLst>
+                      <p:childTnLst>
+                        <p:par>
+                          <p:cTn id="10" fill="hold">
+                            <p:stCondLst>
+                              <p:cond delay="0"/>
+                            </p:stCondLst>
+                            <p:childTnLst>
+                              <p:par>
+                                <p:cTn id="11" presetID="2" presetClass="entr" presetSubtype="4" fill="hold" grpId="0" nodeType="clickEffect">
+                                  <p:stCondLst>
+                                    <p:cond delay="0"/>
+                                  </p:stCondLst>
+                                  <p:childTnLst>
+                                    <p:set>
+                                      <p:cBhvr>
+                                        <p:cTn id="12" dur="1" fill="hold">
+                                          <p:stCondLst>
+                                            <p:cond delay="0"/>
+                                          </p:stCondLst>
+                                        </p:cTn>
+                                        <p:tgtEl>
+                                          <p:spTgt spid="3">
+                                            <p:txEl>
+                                              <p:pRg st="5" end="5"/>
+                                            </p:txEl>
+                                          </p:spTgt>
+                                        </p:tgtEl>
+                                        <p:attrNameLst>
+                                          <p:attrName>style.visibility</p:attrName>
+                                        </p:attrNameLst>
+                                      </p:cBhvr>
+                                      <p:to>
+                                        <p:strVal val="visible"/>
+                                      </p:to>
+                                    </p:set>
+                                    <p:anim calcmode="lin" valueType="num">
+                                      <p:cBhvr additive="base">
+                                        <p:cTn id="13" dur="500" fill="hold"/>
+                                        <p:tgtEl>
+                                          <p:spTgt spid="3">
+                                            <p:txEl>
+                                              <p:pRg st="5" end="5"/>
+                                            </p:txEl>
+                                          </p:spTgt>
+                                        </p:tgtEl>
+                                        <p:attrNameLst>
+                                          <p:attrName>ppt_x</p:attrName>
+                                        </p:attrNameLst>
+                                      </p:cBhvr>
+                                      <p:tavLst>
+                                        <p:tav tm="0">
+                                          <p:val>
+                                            <p:strVal val="#ppt_x"/>
+                                          </p:val>
+                                        </p:tav>
+                                        <p:tav tm="100000">
+                                          <p:val>
+                                            <p:strVal val="#ppt_x"/>
+                                          </p:val>
+                                        </p:tav>
+                                      </p:tavLst>
+                                    </p:anim>
+                                    <p:anim calcmode="lin" valueType="num">
+                                      <p:cBhvr additive="base">
+                                        <p:cTn id="14" dur="500" fill="hold"/>
+                                        <p:tgtEl>
+                                          <p:spTgt spid="3">
+                                            <p:txEl>
+                                              <p:pRg st="5" end="5"/>
+                                            </p:txEl>
+                                          </p:spTgt>
+                                        </p:tgtEl>
+                                        <p:attrNameLst>
+                                          <p:attrName>ppt_y</p:attrName>
+                                        </p:attrNameLst>
+                                      </p:cBhvr>
+                                      <p:tavLst>
+                                        <p:tav tm="0">
+                                          <p:val>
+                                            <p:strVal val="1+#ppt_h/2"/>
+                                          </p:val>
+                                        </p:tav>
+                                        <p:tav tm="100000">
+                                          <p:val>
+                                            <p:strVal val="#ppt_y"/>
+                                          </p:val>
+                                        </p:tav>
+                                      </p:tavLst>
+                                    </p:anim>
+                                  </p:childTnLst>
+                                </p:cTn>
+                              </p:par>
+                            </p:childTnLst>
+                          </p:cTn>
+                        </p:par>
+                      </p:childTnLst>
+                    </p:cTn>
+                  </p:par>
+                </p:childTnLst>
+              </p:cTn>
+              <p:prevCondLst>
+                <p:cond evt="onPrev" delay="0">
+                  <p:tgtEl>
+                    <p:sldTgt/>
+                  </p:tgtEl>
+                </p:cond>
+              </p:prevCondLst>
+              <p:nextCondLst>
+                <p:cond evt="onNext" delay="0">
+                  <p:tgtEl>
+                    <p:sldTgt/>
+                  </p:tgtEl>
+                </p:cond>
+              </p:nextCondLst>
+            </p:seq>
+          </p:childTnLst>
+        </p:cTn>
+      </p:par>
+    </p:tnLst>
+    <p:bldLst>
+      <p:bldP spid="3" grpId="0" build="p"/>
+    </p:bldLst>
+  </p:timing>
+</p:sld>
+</file>
+
+<file path=ppt/slides/slide3.xml><?xml version="1.0" encoding="utf-8"?>
+<p:sld xmlns:a="http://schemas.openxmlformats.org/drawingml/2006/main" xmlns:r="http://schemas.openxmlformats.org/officeDocument/2006/relationships" xmlns:p="http://schemas.openxmlformats.org/presentationml/2006/main">
+  <p:cSld>
+    <p:spTree>
+      <p:nvGrpSpPr>
+        <p:cNvPr id="1" name=""/>
+        <p:cNvGrpSpPr/>
+        <p:nvPr/>
+      </p:nvGrpSpPr>
+      <p:grpSpPr>
+        <a:xfrm>
+          <a:off x="0" y="0"/>
+          <a:ext cx="0" cy="0"/>
+          <a:chOff x="0" y="0"/>
+          <a:chExt cx="0" cy="0"/>
+        </a:xfrm>
+      </p:grpSpPr>
+      <p:sp>
+        <p:nvSpPr>
+          <p:cNvPr id="2" name="タイトル 1">
+            <a:extLst>
+              <a:ext uri="{FF2B5EF4-FFF2-40B4-BE49-F238E27FC236}">
+                <a16:creationId xmlns:a16="http://schemas.microsoft.com/office/drawing/2014/main" xmlns="" id="{F85193FC-EC85-4B8E-B794-76BAF993932F}"/>
+              </a:ext>
+            </a:extLst>
+          </p:cNvPr>
+          <p:cNvSpPr>
+            <a:spLocks noGrp="1"/>
+          </p:cNvSpPr>
+          <p:nvPr>
+            <p:ph type="title"/>
+          </p:nvPr>
+        </p:nvSpPr>
+        <p:spPr/>
+        <p:txBody>
+          <a:bodyPr/>
+          <a:lstStyle/>
+          <a:p>
+            <a:r>
+              <a:rPr lang="ja-JP" altLang="en-US" dirty="0" smtClean="0"/>
+              <a:t>その後</a:t>
+            </a:r>
+            <a:endParaRPr kumimoji="1" lang="ja-JP" altLang="en-US" dirty="0"/>
+          </a:p>
+        </p:txBody>
+      </p:sp>
+      <p:sp>
+        <p:nvSpPr>
+          <p:cNvPr id="3" name="コンテンツ プレースホルダー 2">
+            <a:extLst>
+              <a:ext uri="{FF2B5EF4-FFF2-40B4-BE49-F238E27FC236}">
+                <a16:creationId xmlns:a16="http://schemas.microsoft.com/office/drawing/2014/main" xmlns="" id="{D9F2300D-A990-4AC8-8AD5-C0EC49A3C394}"/>
+              </a:ext>
+            </a:extLst>
+          </p:cNvPr>
+          <p:cNvSpPr>
+            <a:spLocks noGrp="1"/>
+          </p:cNvSpPr>
+          <p:nvPr>
+            <p:ph idx="1"/>
+          </p:nvPr>
+        </p:nvSpPr>
+        <p:spPr/>
+        <p:txBody>
+          <a:bodyPr/>
+          <a:lstStyle/>
+          <a:p>
+            <a:pPr marL="0" indent="0">
+              <a:buNone/>
+            </a:pPr>
+            <a:endParaRPr lang="en-US" altLang="ja-JP" dirty="0" smtClean="0"/>
+          </a:p>
+          <a:p>
+            <a:pPr marL="0" indent="0">
+              <a:buNone/>
+            </a:pPr>
+            <a:endParaRPr lang="en-US" altLang="ja-JP" dirty="0"/>
+          </a:p>
+          <a:p>
+            <a:pPr>
+              <a:buFont typeface="Wingdings" panose="05000000000000000000" pitchFamily="2" charset="2"/>
+              <a:buChar char="l"/>
+            </a:pPr>
+            <a:r>
+              <a:rPr lang="en-US" altLang="ja-JP" sz="2800" dirty="0">
+                <a:latin typeface="+mn-ea"/>
+              </a:rPr>
+              <a:t>Android </a:t>
+            </a:r>
+            <a:r>
+              <a:rPr lang="en-US" altLang="ja-JP" sz="2800" dirty="0" smtClean="0">
+                <a:latin typeface="+mn-ea"/>
+              </a:rPr>
+              <a:t>Studio</a:t>
+            </a:r>
+            <a:r>
+              <a:rPr lang="ja-JP" altLang="en-US" sz="2800" dirty="0">
+                <a:latin typeface="+mn-ea"/>
+              </a:rPr>
+              <a:t> </a:t>
+            </a:r>
+            <a:r>
+              <a:rPr lang="ja-JP" altLang="en-US" sz="2800" dirty="0" smtClean="0">
+                <a:latin typeface="+mn-ea"/>
+              </a:rPr>
+              <a:t>から </a:t>
+            </a:r>
+            <a:r>
+              <a:rPr lang="en-US" altLang="ja-JP" sz="2800" dirty="0" smtClean="0">
+                <a:latin typeface="+mn-ea"/>
+              </a:rPr>
+              <a:t>Unity </a:t>
+            </a:r>
+            <a:r>
+              <a:rPr lang="ja-JP" altLang="en-US" sz="2800" dirty="0" smtClean="0">
+                <a:latin typeface="+mn-ea"/>
+              </a:rPr>
+              <a:t>へ</a:t>
+            </a:r>
+            <a:endParaRPr lang="en-US" altLang="ja-JP" sz="2800" dirty="0"/>
+          </a:p>
+          <a:p>
+            <a:pPr>
+              <a:buFont typeface="Wingdings" panose="05000000000000000000" pitchFamily="2" charset="2"/>
+              <a:buChar char="l"/>
+            </a:pPr>
+            <a:endParaRPr lang="en-US" altLang="ja-JP" dirty="0" smtClean="0"/>
+          </a:p>
+        </p:txBody>
+      </p:sp>
+      <p:sp>
+        <p:nvSpPr>
+          <p:cNvPr id="4" name="日付プレースホルダー 3">
+            <a:extLst>
+              <a:ext uri="{FF2B5EF4-FFF2-40B4-BE49-F238E27FC236}">
+                <a16:creationId xmlns:a16="http://schemas.microsoft.com/office/drawing/2014/main" xmlns="" id="{C31D39EC-A5C2-47B1-97D5-1EEB45BE526E}"/>
+              </a:ext>
+            </a:extLst>
+          </p:cNvPr>
+          <p:cNvSpPr>
+            <a:spLocks noGrp="1"/>
+          </p:cNvSpPr>
+          <p:nvPr>
+            <p:ph type="dt" sz="half" idx="10"/>
+          </p:nvPr>
+        </p:nvSpPr>
+        <p:spPr/>
+        <p:txBody>
+          <a:bodyPr/>
+          <a:lstStyle/>
+          <a:p>
+            <a:fld id="{C1AC33ED-1FF4-4CA6-950C-B5D5469062C6}" type="datetime1">
+              <a:rPr lang="ja-JP" altLang="en-US" smtClean="0"/>
+              <a:t>2017/10/10</a:t>
+            </a:fld>
+            <a:endParaRPr lang="en-US" dirty="0"/>
+          </a:p>
+        </p:txBody>
+      </p:sp>
+      <p:sp>
+        <p:nvSpPr>
+          <p:cNvPr id="5" name="スライド番号プレースホルダー 4">
+            <a:extLst>
+              <a:ext uri="{FF2B5EF4-FFF2-40B4-BE49-F238E27FC236}">
+                <a16:creationId xmlns:a16="http://schemas.microsoft.com/office/drawing/2014/main" xmlns="" id="{E8B2CD81-22FF-4DAE-A1F6-4433E13F1E31}"/>
+              </a:ext>
+            </a:extLst>
+          </p:cNvPr>
+          <p:cNvSpPr>
+            <a:spLocks noGrp="1"/>
+          </p:cNvSpPr>
+          <p:nvPr>
+            <p:ph type="sldNum" sz="quarter" idx="12"/>
+          </p:nvPr>
+        </p:nvSpPr>
+        <p:spPr/>
+        <p:txBody>
+          <a:bodyPr/>
+          <a:lstStyle/>
+          <a:p>
+            <a:fld id="{6113E31D-E2AB-40D1-8B51-AFA5AFEF393A}" type="slidenum">
+              <a:rPr lang="en-US" smtClean="0"/>
+              <a:t>3</a:t>
+            </a:fld>
+            <a:endParaRPr lang="en-US" dirty="0"/>
+          </a:p>
+        </p:txBody>
+      </p:sp>
+    </p:spTree>
+    <p:extLst>
+      <p:ext uri="{BB962C8B-B14F-4D97-AF65-F5344CB8AC3E}">
+        <p14:creationId xmlns:p14="http://schemas.microsoft.com/office/powerpoint/2010/main" val="2022896346"/>
+      </p:ext>
+    </p:extLst>
+  </p:cSld>
+  <p:clrMapOvr>
+    <a:masterClrMapping/>
+  </p:clrMapOvr>
+  <p:timing>
+    <p:tnLst>
+      <p:par>
+        <p:cTn id="1" dur="indefinite" restart="never" nodeType="tmRoot"/>
+      </p:par>
+    </p:tnLst>
+  </p:timing>
+</p:sld>
+</file>
+
+<file path=ppt/slides/slide4.xml><?xml version="1.0" encoding="utf-8"?>
+<p:sld xmlns:a="http://schemas.openxmlformats.org/drawingml/2006/main" xmlns:r="http://schemas.openxmlformats.org/officeDocument/2006/relationships" xmlns:p="http://schemas.openxmlformats.org/presentationml/2006/main">
+  <p:cSld>
+    <p:spTree>
+      <p:nvGrpSpPr>
+        <p:cNvPr id="1" name=""/>
+        <p:cNvGrpSpPr/>
+        <p:nvPr/>
+      </p:nvGrpSpPr>
+      <p:grpSpPr>
+        <a:xfrm>
+          <a:off x="0" y="0"/>
+          <a:ext cx="0" cy="0"/>
+          <a:chOff x="0" y="0"/>
+          <a:chExt cx="0" cy="0"/>
+        </a:xfrm>
+      </p:grpSpPr>
+      <p:sp>
+        <p:nvSpPr>
+          <p:cNvPr id="2" name="タイトル 1">
+            <a:extLst>
+              <a:ext uri="{FF2B5EF4-FFF2-40B4-BE49-F238E27FC236}">
+                <a16:creationId xmlns:a16="http://schemas.microsoft.com/office/drawing/2014/main" xmlns="" id="{F85193FC-EC85-4B8E-B794-76BAF993932F}"/>
+              </a:ext>
+            </a:extLst>
+          </p:cNvPr>
+          <p:cNvSpPr>
+            <a:spLocks noGrp="1"/>
+          </p:cNvSpPr>
+          <p:nvPr>
+            <p:ph type="title"/>
+          </p:nvPr>
+        </p:nvSpPr>
+        <p:spPr/>
+        <p:txBody>
+          <a:bodyPr/>
+          <a:lstStyle/>
+          <a:p>
+            <a:r>
+              <a:rPr lang="ja-JP" altLang="en-US" dirty="0" smtClean="0"/>
+              <a:t>今回の要望</a:t>
+            </a:r>
+            <a:endParaRPr kumimoji="1" lang="ja-JP" altLang="en-US" dirty="0"/>
+          </a:p>
+        </p:txBody>
+      </p:sp>
+      <p:sp>
+        <p:nvSpPr>
+          <p:cNvPr id="3" name="コンテンツ プレースホルダー 2">
+            <a:extLst>
+              <a:ext uri="{FF2B5EF4-FFF2-40B4-BE49-F238E27FC236}">
+                <a16:creationId xmlns:a16="http://schemas.microsoft.com/office/drawing/2014/main" xmlns="" id="{D9F2300D-A990-4AC8-8AD5-C0EC49A3C394}"/>
+              </a:ext>
+            </a:extLst>
+          </p:cNvPr>
+          <p:cNvSpPr>
+            <a:spLocks noGrp="1"/>
+          </p:cNvSpPr>
+          <p:nvPr>
+            <p:ph idx="1"/>
+          </p:nvPr>
+        </p:nvSpPr>
+        <p:spPr/>
+        <p:txBody>
+          <a:bodyPr/>
+          <a:lstStyle/>
+          <a:p>
+            <a:pPr marL="0" indent="0">
+              <a:buNone/>
+            </a:pPr>
+            <a:endParaRPr lang="en-US" altLang="ja-JP" dirty="0" smtClean="0"/>
+          </a:p>
+          <a:p>
+            <a:pPr marL="0" indent="0">
+              <a:buNone/>
+            </a:pPr>
+            <a:endParaRPr lang="en-US" altLang="ja-JP" dirty="0"/>
+          </a:p>
+          <a:p>
+            <a:pPr>
+              <a:buFont typeface="Wingdings" panose="05000000000000000000" pitchFamily="2" charset="2"/>
+              <a:buChar char="l"/>
+            </a:pPr>
+            <a:r>
+              <a:rPr lang="ja-JP" altLang="en-US" sz="2800" dirty="0" smtClean="0"/>
+              <a:t>認識できる商品の追加</a:t>
+            </a:r>
+            <a:endParaRPr lang="en-US" altLang="ja-JP" sz="2800" dirty="0" smtClean="0"/>
+          </a:p>
+          <a:p>
+            <a:pPr>
+              <a:buFont typeface="Wingdings" panose="05000000000000000000" pitchFamily="2" charset="2"/>
+              <a:buChar char="l"/>
+            </a:pPr>
+            <a:endParaRPr lang="en-US" altLang="ja-JP" dirty="0"/>
+          </a:p>
+          <a:p>
+            <a:pPr>
+              <a:buFont typeface="Wingdings" panose="05000000000000000000" pitchFamily="2" charset="2"/>
+              <a:buChar char="l"/>
+            </a:pPr>
+            <a:endParaRPr lang="en-US" altLang="ja-JP" dirty="0" smtClean="0"/>
+          </a:p>
+          <a:p>
+            <a:pPr>
+              <a:buFont typeface="Wingdings" panose="05000000000000000000" pitchFamily="2" charset="2"/>
+              <a:buChar char="l"/>
+            </a:pPr>
+            <a:r>
+              <a:rPr lang="ja-JP" altLang="en-US" sz="2800" dirty="0" smtClean="0"/>
+              <a:t>商品を認識したときにテキストではなく商品棚の画像を表示</a:t>
+            </a:r>
+            <a:endParaRPr lang="en-US" altLang="ja-JP" sz="2800" dirty="0" smtClean="0"/>
+          </a:p>
+        </p:txBody>
+      </p:sp>
+      <p:sp>
+        <p:nvSpPr>
+          <p:cNvPr id="4" name="日付プレースホルダー 3">
+            <a:extLst>
+              <a:ext uri="{FF2B5EF4-FFF2-40B4-BE49-F238E27FC236}">
+                <a16:creationId xmlns:a16="http://schemas.microsoft.com/office/drawing/2014/main" xmlns="" id="{C31D39EC-A5C2-47B1-97D5-1EEB45BE526E}"/>
+              </a:ext>
+            </a:extLst>
+          </p:cNvPr>
+          <p:cNvSpPr>
+            <a:spLocks noGrp="1"/>
+          </p:cNvSpPr>
+          <p:nvPr>
+            <p:ph type="dt" sz="half" idx="10"/>
+          </p:nvPr>
+        </p:nvSpPr>
+        <p:spPr/>
+        <p:txBody>
+          <a:bodyPr/>
+          <a:lstStyle/>
+          <a:p>
+            <a:fld id="{C1AC33ED-1FF4-4CA6-950C-B5D5469062C6}" type="datetime1">
+              <a:rPr lang="ja-JP" altLang="en-US" smtClean="0"/>
+              <a:t>2017/10/10</a:t>
+            </a:fld>
+            <a:endParaRPr lang="en-US" dirty="0"/>
+          </a:p>
+        </p:txBody>
+      </p:sp>
+      <p:sp>
+        <p:nvSpPr>
+          <p:cNvPr id="5" name="スライド番号プレースホルダー 4">
+            <a:extLst>
+              <a:ext uri="{FF2B5EF4-FFF2-40B4-BE49-F238E27FC236}">
+                <a16:creationId xmlns:a16="http://schemas.microsoft.com/office/drawing/2014/main" xmlns="" id="{E8B2CD81-22FF-4DAE-A1F6-4433E13F1E31}"/>
+              </a:ext>
+            </a:extLst>
+          </p:cNvPr>
+          <p:cNvSpPr>
+            <a:spLocks noGrp="1"/>
+          </p:cNvSpPr>
+          <p:nvPr>
+            <p:ph type="sldNum" sz="quarter" idx="12"/>
+          </p:nvPr>
+        </p:nvSpPr>
+        <p:spPr/>
+        <p:txBody>
+          <a:bodyPr/>
+          <a:lstStyle/>
+          <a:p>
+            <a:fld id="{6113E31D-E2AB-40D1-8B51-AFA5AFEF393A}" type="slidenum">
+              <a:rPr lang="en-US" smtClean="0"/>
+              <a:t>4</a:t>
+            </a:fld>
+            <a:endParaRPr lang="en-US" dirty="0"/>
+          </a:p>
+        </p:txBody>
+      </p:sp>
+    </p:spTree>
+    <p:extLst>
+      <p:ext uri="{BB962C8B-B14F-4D97-AF65-F5344CB8AC3E}">
+        <p14:creationId xmlns:p14="http://schemas.microsoft.com/office/powerpoint/2010/main" val="3503434654"/>
+      </p:ext>
+    </p:extLst>
+  </p:cSld>
+  <p:clrMapOvr>
+    <a:masterClrMapping/>
+  </p:clrMapOvr>
+  <p:timing>
+    <p:tnLst>
+      <p:par>
+        <p:cTn id="1" dur="indefinite" restart="never" nodeType="tmRoot">
+          <p:childTnLst>
+            <p:seq concurrent="1" nextAc="seek">
+              <p:cTn id="2" dur="indefinite" nodeType="mainSeq">
+                <p:childTnLst>
+                  <p:par>
+                    <p:cTn id="3" fill="hold">
+                      <p:stCondLst>
+                        <p:cond delay="indefinite"/>
+                      </p:stCondLst>
+                      <p:childTnLst>
+                        <p:par>
+                          <p:cTn id="4" fill="hold">
+                            <p:stCondLst>
+                              <p:cond delay="0"/>
+                            </p:stCondLst>
+                            <p:childTnLst>
+                              <p:par>
+                                <p:cTn id="5" presetID="2" presetClass="entr" presetSubtype="4" fill="hold" grpId="0" nodeType="clickEffect">
+                                  <p:stCondLst>
+                                    <p:cond delay="0"/>
+                                  </p:stCondLst>
+                                  <p:childTnLst>
+                                    <p:set>
+                                      <p:cBhvr>
+                                        <p:cTn id="6" dur="1" fill="hold">
+                                          <p:stCondLst>
+                                            <p:cond delay="0"/>
+                                          </p:stCondLst>
+                                        </p:cTn>
+                                        <p:tgtEl>
+                                          <p:spTgt spid="3">
+                                            <p:txEl>
+                                              <p:pRg st="2" end="2"/>
+                                            </p:txEl>
+                                          </p:spTgt>
+                                        </p:tgtEl>
+                                        <p:attrNameLst>
+                                          <p:attrName>style.visibility</p:attrName>
+                                        </p:attrNameLst>
+                                      </p:cBhvr>
+                                      <p:to>
+                                        <p:strVal val="visible"/>
+                                      </p:to>
+                                    </p:set>
+                                    <p:anim calcmode="lin" valueType="num">
+                                      <p:cBhvr additive="base">
+                                        <p:cTn id="7" dur="500" fill="hold"/>
+                                        <p:tgtEl>
+                                          <p:spTgt spid="3">
+                                            <p:txEl>
+                                              <p:pRg st="2" end="2"/>
+                                            </p:txEl>
+                                          </p:spTgt>
+                                        </p:tgtEl>
+                                        <p:attrNameLst>
+                                          <p:attrName>ppt_x</p:attrName>
+                                        </p:attrNameLst>
+                                      </p:cBhvr>
+                                      <p:tavLst>
+                                        <p:tav tm="0">
+                                          <p:val>
+                                            <p:strVal val="#ppt_x"/>
+                                          </p:val>
+                                        </p:tav>
+                                        <p:tav tm="100000">
+                                          <p:val>
+                                            <p:strVal val="#ppt_x"/>
+                                          </p:val>
+                                        </p:tav>
+                                      </p:tavLst>
+                                    </p:anim>
+                                    <p:anim calcmode="lin" valueType="num">
+                                      <p:cBhvr additive="base">
+                                        <p:cTn id="8" dur="500" fill="hold"/>
+                                        <p:tgtEl>
+                                          <p:spTgt spid="3">
+                                            <p:txEl>
+                                              <p:pRg st="2" end="2"/>
+                                            </p:txEl>
+                                          </p:spTgt>
+                                        </p:tgtEl>
+                                        <p:attrNameLst>
+                                          <p:attrName>ppt_y</p:attrName>
+                                        </p:attrNameLst>
+                                      </p:cBhvr>
+                                      <p:tavLst>
+                                        <p:tav tm="0">
+                                          <p:val>
+                                            <p:strVal val="1+#ppt_h/2"/>
+                                          </p:val>
+                                        </p:tav>
+                                        <p:tav tm="100000">
+                                          <p:val>
+                                            <p:strVal val="#ppt_y"/>
+                                          </p:val>
+                                        </p:tav>
+                                      </p:tavLst>
+                                    </p:anim>
+                                  </p:childTnLst>
+                                </p:cTn>
+                              </p:par>
+                            </p:childTnLst>
+                          </p:cTn>
+                        </p:par>
+                      </p:childTnLst>
+                    </p:cTn>
+                  </p:par>
+                  <p:par>
+                    <p:cTn id="9" fill="hold">
+                      <p:stCondLst>
+                        <p:cond delay="indefinite"/>
+                      </p:stCondLst>
+                      <p:childTnLst>
+                        <p:par>
+                          <p:cTn id="10" fill="hold">
+                            <p:stCondLst>
+                              <p:cond delay="0"/>
+                            </p:stCondLst>
+                            <p:childTnLst>
+                              <p:par>
+                                <p:cTn id="11" presetID="2" presetClass="entr" presetSubtype="4" fill="hold" grpId="0" nodeType="clickEffect">
+                                  <p:stCondLst>
+                                    <p:cond delay="0"/>
+                                  </p:stCondLst>
+                                  <p:childTnLst>
+                                    <p:set>
+                                      <p:cBhvr>
+                                        <p:cTn id="12" dur="1" fill="hold">
+                                          <p:stCondLst>
+                                            <p:cond delay="0"/>
+                                          </p:stCondLst>
+                                        </p:cTn>
+                                        <p:tgtEl>
+                                          <p:spTgt spid="3">
+                                            <p:txEl>
+                                              <p:pRg st="5" end="5"/>
+                                            </p:txEl>
+                                          </p:spTgt>
+                                        </p:tgtEl>
+                                        <p:attrNameLst>
+                                          <p:attrName>style.visibility</p:attrName>
+                                        </p:attrNameLst>
+                                      </p:cBhvr>
+                                      <p:to>
+                                        <p:strVal val="visible"/>
+                                      </p:to>
+                                    </p:set>
+                                    <p:anim calcmode="lin" valueType="num">
+                                      <p:cBhvr additive="base">
+                                        <p:cTn id="13" dur="500" fill="hold"/>
+                                        <p:tgtEl>
+                                          <p:spTgt spid="3">
+                                            <p:txEl>
+                                              <p:pRg st="5" end="5"/>
+                                            </p:txEl>
+                                          </p:spTgt>
+                                        </p:tgtEl>
+                                        <p:attrNameLst>
+                                          <p:attrName>ppt_x</p:attrName>
+                                        </p:attrNameLst>
+                                      </p:cBhvr>
+                                      <p:tavLst>
+                                        <p:tav tm="0">
+                                          <p:val>
+                                            <p:strVal val="#ppt_x"/>
+                                          </p:val>
+                                        </p:tav>
+                                        <p:tav tm="100000">
+                                          <p:val>
+                                            <p:strVal val="#ppt_x"/>
+                                          </p:val>
+                                        </p:tav>
+                                      </p:tavLst>
+                                    </p:anim>
+                                    <p:anim calcmode="lin" valueType="num">
+                                      <p:cBhvr additive="base">
+                                        <p:cTn id="14" dur="500" fill="hold"/>
+                                        <p:tgtEl>
+                                          <p:spTgt spid="3">
+                                            <p:txEl>
+                                              <p:pRg st="5" end="5"/>
+                                            </p:txEl>
+                                          </p:spTgt>
+                                        </p:tgtEl>
+                                        <p:attrNameLst>
+                                          <p:attrName>ppt_y</p:attrName>
+                                        </p:attrNameLst>
+                                      </p:cBhvr>
+                                      <p:tavLst>
+                                        <p:tav tm="0">
+                                          <p:val>
+                                            <p:strVal val="1+#ppt_h/2"/>
+                                          </p:val>
+                                        </p:tav>
+                                        <p:tav tm="100000">
+                                          <p:val>
+                                            <p:strVal val="#ppt_y"/>
+                                          </p:val>
+                                        </p:tav>
+                                      </p:tavLst>
+                                    </p:anim>
+                                  </p:childTnLst>
+                                </p:cTn>
+                              </p:par>
+                            </p:childTnLst>
+                          </p:cTn>
+                        </p:par>
+                      </p:childTnLst>
+                    </p:cTn>
+                  </p:par>
+                </p:childTnLst>
+              </p:cTn>
+              <p:prevCondLst>
+                <p:cond evt="onPrev" delay="0">
+                  <p:tgtEl>
+                    <p:sldTgt/>
+                  </p:tgtEl>
+                </p:cond>
+              </p:prevCondLst>
+              <p:nextCondLst>
+                <p:cond evt="onNext" delay="0">
+                  <p:tgtEl>
+                    <p:sldTgt/>
+                  </p:tgtEl>
+                </p:cond>
+              </p:nextCondLst>
+            </p:seq>
+          </p:childTnLst>
+        </p:cTn>
+      </p:par>
+    </p:tnLst>
+    <p:bldLst>
+      <p:bldP spid="3" grpId="0" build="p"/>
+    </p:bldLst>
+  </p:timing>
+</p:sld>
+</file>
+
+<file path=ppt/slides/slide5.xml><?xml version="1.0" encoding="utf-8"?>
+<p:sld xmlns:a="http://schemas.openxmlformats.org/drawingml/2006/main" xmlns:r="http://schemas.openxmlformats.org/officeDocument/2006/relationships" xmlns:p="http://schemas.openxmlformats.org/presentationml/2006/main">
+  <p:cSld>
+    <p:spTree>
+      <p:nvGrpSpPr>
+        <p:cNvPr id="1" name=""/>
+        <p:cNvGrpSpPr/>
+        <p:nvPr/>
+      </p:nvGrpSpPr>
+      <p:grpSpPr>
+        <a:xfrm>
+          <a:off x="0" y="0"/>
+          <a:ext cx="0" cy="0"/>
+          <a:chOff x="0" y="0"/>
+          <a:chExt cx="0" cy="0"/>
+        </a:xfrm>
+      </p:grpSpPr>
+      <p:sp>
+        <p:nvSpPr>
+          <p:cNvPr id="2" name="タイトル 1"/>
+          <p:cNvSpPr>
+            <a:spLocks noGrp="1"/>
+          </p:cNvSpPr>
+          <p:nvPr>
+            <p:ph type="title"/>
+          </p:nvPr>
+        </p:nvSpPr>
+        <p:spPr/>
+        <p:txBody>
+          <a:bodyPr/>
+          <a:lstStyle/>
+          <a:p>
+            <a:pPr algn="ctr"/>
+            <a:r>
+              <a:rPr kumimoji="1" lang="ja-JP" altLang="en-US" dirty="0" smtClean="0"/>
+              <a:t>実演</a:t>
+            </a:r>
+            <a:endParaRPr kumimoji="1" lang="ja-JP" altLang="en-US" dirty="0"/>
+          </a:p>
+        </p:txBody>
+      </p:sp>
+      <p:sp>
+        <p:nvSpPr>
+          <p:cNvPr id="3" name="テキスト プレースホルダー 2"/>
+          <p:cNvSpPr>
+            <a:spLocks noGrp="1"/>
+          </p:cNvSpPr>
+          <p:nvPr>
+            <p:ph type="body" idx="1"/>
+          </p:nvPr>
+        </p:nvSpPr>
+        <p:spPr/>
+        <p:txBody>
+          <a:bodyPr/>
+          <a:lstStyle/>
+          <a:p>
+            <a:endParaRPr kumimoji="1" lang="ja-JP" altLang="en-US"/>
+          </a:p>
+        </p:txBody>
+      </p:sp>
+      <p:sp>
+        <p:nvSpPr>
+          <p:cNvPr id="4" name="日付プレースホルダー 3"/>
+          <p:cNvSpPr>
+            <a:spLocks noGrp="1"/>
+          </p:cNvSpPr>
+          <p:nvPr>
+            <p:ph type="dt" sz="half" idx="10"/>
+          </p:nvPr>
+        </p:nvSpPr>
+        <p:spPr/>
+        <p:txBody>
+          <a:bodyPr/>
+          <a:lstStyle/>
+          <a:p>
+            <a:fld id="{414224FA-3A21-4F51-8ADB-C3277CB68253}" type="datetime1">
+              <a:rPr lang="ja-JP" altLang="en-US" smtClean="0"/>
+              <a:t>2017/10/10</a:t>
+            </a:fld>
+            <a:endParaRPr lang="en-US" dirty="0"/>
+          </a:p>
+        </p:txBody>
+      </p:sp>
+      <p:sp>
+        <p:nvSpPr>
+          <p:cNvPr id="5" name="スライド番号プレースホルダー 4"/>
+          <p:cNvSpPr>
+            <a:spLocks noGrp="1"/>
+          </p:cNvSpPr>
+          <p:nvPr>
+            <p:ph type="sldNum" sz="quarter" idx="12"/>
+          </p:nvPr>
+        </p:nvSpPr>
+        <p:spPr/>
+        <p:txBody>
+          <a:bodyPr/>
+          <a:lstStyle/>
+          <a:p>
+            <a:fld id="{4FAB73BC-B049-4115-A692-8D63A059BFB8}" type="slidenum">
+              <a:rPr lang="en-US" smtClean="0"/>
+              <a:t>5</a:t>
+            </a:fld>
+            <a:endParaRPr lang="en-US" dirty="0"/>
+          </a:p>
+        </p:txBody>
+      </p:sp>
+    </p:spTree>
+    <p:extLst>
+      <p:ext uri="{BB962C8B-B14F-4D97-AF65-F5344CB8AC3E}">
+        <p14:creationId xmlns:p14="http://schemas.microsoft.com/office/powerpoint/2010/main" val="808490229"/>
+      </p:ext>
+    </p:extLst>
+  </p:cSld>
+  <p:clrMapOvr>
+    <a:masterClrMapping/>
+  </p:clrMapOvr>
+  <p:timing>
+    <p:tnLst>
+      <p:par>
+        <p:cTn id="1" dur="indefinite" restart="never" nodeType="tmRoot"/>
+      </p:par>
+    </p:tnLst>
+  </p:timing>
 </p:sld>
 </file>
 
